--- a/Unit 5/FLS/6371 FLS Unit 5.pptx
+++ b/Unit 5/FLS/6371 FLS Unit 5.pptx
@@ -5,7 +5,7 @@
     <p:sldMasterId id="2147483693" r:id="rId1"/>
   </p:sldMasterIdLst>
   <p:notesMasterIdLst>
-    <p:notesMasterId r:id="rId17"/>
+    <p:notesMasterId r:id="rId13"/>
   </p:notesMasterIdLst>
   <p:sldIdLst>
     <p:sldId id="270" r:id="rId2"/>
@@ -14,20 +14,16 @@
     <p:sldId id="297" r:id="rId5"/>
     <p:sldId id="293" r:id="rId6"/>
     <p:sldId id="418" r:id="rId7"/>
-    <p:sldId id="419" r:id="rId8"/>
-    <p:sldId id="396" r:id="rId9"/>
-    <p:sldId id="494" r:id="rId10"/>
-    <p:sldId id="495" r:id="rId11"/>
-    <p:sldId id="497" r:id="rId12"/>
-    <p:sldId id="334" r:id="rId13"/>
-    <p:sldId id="336" r:id="rId14"/>
-    <p:sldId id="526" r:id="rId15"/>
-    <p:sldId id="413" r:id="rId16"/>
+    <p:sldId id="527" r:id="rId8"/>
+    <p:sldId id="419" r:id="rId9"/>
+    <p:sldId id="334" r:id="rId10"/>
+    <p:sldId id="336" r:id="rId11"/>
+    <p:sldId id="413" r:id="rId12"/>
   </p:sldIdLst>
   <p:sldSz cx="12192000" cy="6858000"/>
   <p:notesSz cx="6858000" cy="9144000"/>
   <p:custDataLst>
-    <p:tags r:id="rId18"/>
+    <p:tags r:id="rId14"/>
   </p:custDataLst>
   <p:defaultTextStyle>
     <a:defPPr>
@@ -2608,471 +2604,6 @@
           <a:chExt cx="0" cy="0"/>
         </a:xfrm>
       </p:grpSpPr>
-      <mc:AlternateContent xmlns:mc="http://schemas.openxmlformats.org/markup-compatibility/2006" xmlns:a14="http://schemas.microsoft.com/office/drawing/2010/main">
-        <mc:Choice Requires="a14">
-          <p:sp>
-            <p:nvSpPr>
-              <p:cNvPr id="2" name="Title 1"/>
-              <p:cNvSpPr>
-                <a:spLocks noGrp="1"/>
-              </p:cNvSpPr>
-              <p:nvPr>
-                <p:ph type="title"/>
-              </p:nvPr>
-            </p:nvSpPr>
-            <p:spPr>
-              <a:xfrm>
-                <a:off x="1781783" y="3429001"/>
-                <a:ext cx="8628434" cy="1450757"/>
-              </a:xfrm>
-            </p:spPr>
-            <p:txBody>
-              <a:bodyPr/>
-              <a:lstStyle/>
-              <a:p>
-                <a:pPr algn="ctr"/>
-                <a:r>
-                  <a:rPr lang="en-US" dirty="0"/>
-                  <a:t>Question 4</a:t>
-                </a:r>
-                <a:br>
-                  <a:rPr lang="en-US" dirty="0"/>
-                </a:br>
-                <a:r>
-                  <a:rPr lang="en-US" dirty="0"/>
-                  <a:t>(</a:t>
-                </a:r>
-                <a14:m>
-                  <m:oMath xmlns:m="http://schemas.openxmlformats.org/officeDocument/2006/math">
-                    <m:r>
-                      <a:rPr lang="en-US" i="1" smtClean="0">
-                        <a:latin typeface="Cambria Math" panose="02040503050406030204" pitchFamily="18" charset="0"/>
-                        <a:ea typeface="Cambria Math" panose="02040503050406030204" pitchFamily="18" charset="0"/>
-                      </a:rPr>
-                      <m:t>≤</m:t>
-                    </m:r>
-                    <m:r>
-                      <a:rPr lang="en-US" b="0" i="0" smtClean="0">
-                        <a:latin typeface="Cambria Math" panose="02040503050406030204" pitchFamily="18" charset="0"/>
-                        <a:ea typeface="Cambria Math" panose="02040503050406030204" pitchFamily="18" charset="0"/>
-                      </a:rPr>
-                      <m:t>2</m:t>
-                    </m:r>
-                  </m:oMath>
-                </a14:m>
-                <a:r>
-                  <a:rPr lang="en-US" dirty="0"/>
-                  <a:t> hours)</a:t>
-                </a:r>
-                <a:br>
-                  <a:rPr lang="en-US" dirty="0"/>
-                </a:br>
-                <a:br>
-                  <a:rPr lang="en-US" dirty="0"/>
-                </a:br>
-                <a:endParaRPr lang="en-US" dirty="0"/>
-              </a:p>
-            </p:txBody>
-          </p:sp>
-        </mc:Choice>
-        <mc:Fallback xmlns="">
-          <p:sp>
-            <p:nvSpPr>
-              <p:cNvPr id="2" name="Title 1"/>
-              <p:cNvSpPr>
-                <a:spLocks noGrp="1" noRot="1" noChangeAspect="1" noMove="1" noResize="1" noEditPoints="1" noAdjustHandles="1" noChangeArrowheads="1" noChangeShapeType="1" noTextEdit="1"/>
-              </p:cNvSpPr>
-              <p:nvPr>
-                <p:ph type="title"/>
-              </p:nvPr>
-            </p:nvSpPr>
-            <p:spPr>
-              <a:xfrm>
-                <a:off x="1781783" y="3429001"/>
-                <a:ext cx="8628434" cy="1450757"/>
-              </a:xfrm>
-              <a:blipFill>
-                <a:blip r:embed="rId2"/>
-                <a:stretch>
-                  <a:fillRect t="-55263"/>
-                </a:stretch>
-              </a:blipFill>
-            </p:spPr>
-            <p:txBody>
-              <a:bodyPr/>
-              <a:lstStyle/>
-              <a:p>
-                <a:r>
-                  <a:rPr lang="en-US">
-                    <a:noFill/>
-                  </a:rPr>
-                  <a:t> </a:t>
-                </a:r>
-              </a:p>
-            </p:txBody>
-          </p:sp>
-        </mc:Fallback>
-      </mc:AlternateContent>
-      <p:sp>
-        <p:nvSpPr>
-          <p:cNvPr id="4" name="Slide Number Placeholder 3"/>
-          <p:cNvSpPr>
-            <a:spLocks noGrp="1"/>
-          </p:cNvSpPr>
-          <p:nvPr>
-            <p:ph type="sldNum" sz="quarter" idx="12"/>
-          </p:nvPr>
-        </p:nvSpPr>
-        <p:spPr>
-          <a:xfrm>
-            <a:off x="7425345" y="6459789"/>
-            <a:ext cx="984019" cy="365125"/>
-          </a:xfrm>
-          <a:prstGeom prst="rect">
-            <a:avLst/>
-          </a:prstGeom>
-        </p:spPr>
-        <p:txBody>
-          <a:bodyPr vert="horz" lIns="91440" tIns="45720" rIns="91440" bIns="45720" rtlCol="0" anchor="ctr"/>
-          <a:lstStyle>
-            <a:defPPr>
-              <a:defRPr lang="en-US"/>
-            </a:defPPr>
-            <a:lvl1pPr marL="0" algn="r" defTabSz="914400" rtl="0" eaLnBrk="1" latinLnBrk="0" hangingPunct="1">
-              <a:defRPr sz="1050" kern="1200">
-                <a:solidFill>
-                  <a:srgbClr val="FFFFFF"/>
-                </a:solidFill>
-                <a:latin typeface="+mn-lt"/>
-                <a:ea typeface="+mn-ea"/>
-                <a:cs typeface="+mn-cs"/>
-              </a:defRPr>
-            </a:lvl1pPr>
-            <a:lvl2pPr marL="457200" algn="l" defTabSz="914400" rtl="0" eaLnBrk="1" latinLnBrk="0" hangingPunct="1">
-              <a:defRPr sz="1800" kern="1200">
-                <a:solidFill>
-                  <a:schemeClr val="tx1"/>
-                </a:solidFill>
-                <a:latin typeface="+mn-lt"/>
-                <a:ea typeface="+mn-ea"/>
-                <a:cs typeface="+mn-cs"/>
-              </a:defRPr>
-            </a:lvl2pPr>
-            <a:lvl3pPr marL="914400" algn="l" defTabSz="914400" rtl="0" eaLnBrk="1" latinLnBrk="0" hangingPunct="1">
-              <a:defRPr sz="1800" kern="1200">
-                <a:solidFill>
-                  <a:schemeClr val="tx1"/>
-                </a:solidFill>
-                <a:latin typeface="+mn-lt"/>
-                <a:ea typeface="+mn-ea"/>
-                <a:cs typeface="+mn-cs"/>
-              </a:defRPr>
-            </a:lvl3pPr>
-            <a:lvl4pPr marL="1371600" algn="l" defTabSz="914400" rtl="0" eaLnBrk="1" latinLnBrk="0" hangingPunct="1">
-              <a:defRPr sz="1800" kern="1200">
-                <a:solidFill>
-                  <a:schemeClr val="tx1"/>
-                </a:solidFill>
-                <a:latin typeface="+mn-lt"/>
-                <a:ea typeface="+mn-ea"/>
-                <a:cs typeface="+mn-cs"/>
-              </a:defRPr>
-            </a:lvl4pPr>
-            <a:lvl5pPr marL="1828800" algn="l" defTabSz="914400" rtl="0" eaLnBrk="1" latinLnBrk="0" hangingPunct="1">
-              <a:defRPr sz="1800" kern="1200">
-                <a:solidFill>
-                  <a:schemeClr val="tx1"/>
-                </a:solidFill>
-                <a:latin typeface="+mn-lt"/>
-                <a:ea typeface="+mn-ea"/>
-                <a:cs typeface="+mn-cs"/>
-              </a:defRPr>
-            </a:lvl5pPr>
-            <a:lvl6pPr marL="2286000" algn="l" defTabSz="914400" rtl="0" eaLnBrk="1" latinLnBrk="0" hangingPunct="1">
-              <a:defRPr sz="1800" kern="1200">
-                <a:solidFill>
-                  <a:schemeClr val="tx1"/>
-                </a:solidFill>
-                <a:latin typeface="+mn-lt"/>
-                <a:ea typeface="+mn-ea"/>
-                <a:cs typeface="+mn-cs"/>
-              </a:defRPr>
-            </a:lvl6pPr>
-            <a:lvl7pPr marL="2743200" algn="l" defTabSz="914400" rtl="0" eaLnBrk="1" latinLnBrk="0" hangingPunct="1">
-              <a:defRPr sz="1800" kern="1200">
-                <a:solidFill>
-                  <a:schemeClr val="tx1"/>
-                </a:solidFill>
-                <a:latin typeface="+mn-lt"/>
-                <a:ea typeface="+mn-ea"/>
-                <a:cs typeface="+mn-cs"/>
-              </a:defRPr>
-            </a:lvl7pPr>
-            <a:lvl8pPr marL="3200400" algn="l" defTabSz="914400" rtl="0" eaLnBrk="1" latinLnBrk="0" hangingPunct="1">
-              <a:defRPr sz="1800" kern="1200">
-                <a:solidFill>
-                  <a:schemeClr val="tx1"/>
-                </a:solidFill>
-                <a:latin typeface="+mn-lt"/>
-                <a:ea typeface="+mn-ea"/>
-                <a:cs typeface="+mn-cs"/>
-              </a:defRPr>
-            </a:lvl8pPr>
-            <a:lvl9pPr marL="3657600" algn="l" defTabSz="914400" rtl="0" eaLnBrk="1" latinLnBrk="0" hangingPunct="1">
-              <a:defRPr sz="1800" kern="1200">
-                <a:solidFill>
-                  <a:schemeClr val="tx1"/>
-                </a:solidFill>
-                <a:latin typeface="+mn-lt"/>
-                <a:ea typeface="+mn-ea"/>
-                <a:cs typeface="+mn-cs"/>
-              </a:defRPr>
-            </a:lvl9pPr>
-          </a:lstStyle>
-          <a:p>
-            <a:pPr>
-              <a:defRPr/>
-            </a:pPr>
-            <a:fld id="{85BC5B7D-D6B0-4550-9BAF-D21F2647AC79}" type="slidenum">
-              <a:rPr lang="en-US" altLang="en-US" smtClean="0"/>
-              <a:pPr>
-                <a:defRPr/>
-              </a:pPr>
-              <a:t>10</a:t>
-            </a:fld>
-            <a:endParaRPr lang="en-US" altLang="en-US" dirty="0"/>
-          </a:p>
-        </p:txBody>
-      </p:sp>
-    </p:spTree>
-    <p:extLst>
-      <p:ext uri="{BB962C8B-B14F-4D97-AF65-F5344CB8AC3E}">
-        <p14:creationId xmlns:p14="http://schemas.microsoft.com/office/powerpoint/2010/main" val="2336315063"/>
-      </p:ext>
-    </p:extLst>
-  </p:cSld>
-  <p:clrMapOvr>
-    <a:masterClrMapping/>
-  </p:clrMapOvr>
-</p:sld>
-</file>
-
-<file path=ppt/slides/slide11.xml><?xml version="1.0" encoding="utf-8"?>
-<p:sld xmlns:a="http://schemas.openxmlformats.org/drawingml/2006/main" xmlns:r="http://schemas.openxmlformats.org/officeDocument/2006/relationships" xmlns:p="http://schemas.openxmlformats.org/presentationml/2006/main">
-  <p:cSld>
-    <p:spTree>
-      <p:nvGrpSpPr>
-        <p:cNvPr id="1" name=""/>
-        <p:cNvGrpSpPr/>
-        <p:nvPr/>
-      </p:nvGrpSpPr>
-      <p:grpSpPr>
-        <a:xfrm>
-          <a:off x="0" y="0"/>
-          <a:ext cx="0" cy="0"/>
-          <a:chOff x="0" y="0"/>
-          <a:chExt cx="0" cy="0"/>
-        </a:xfrm>
-      </p:grpSpPr>
-      <p:sp>
-        <p:nvSpPr>
-          <p:cNvPr id="2" name="Title 1"/>
-          <p:cNvSpPr>
-            <a:spLocks noGrp="1"/>
-          </p:cNvSpPr>
-          <p:nvPr>
-            <p:ph type="title"/>
-          </p:nvPr>
-        </p:nvSpPr>
-        <p:spPr>
-          <a:xfrm>
-            <a:off x="1781783" y="3429001"/>
-            <a:ext cx="8628434" cy="1450757"/>
-          </a:xfrm>
-        </p:spPr>
-        <p:txBody>
-          <a:bodyPr/>
-          <a:lstStyle/>
-          <a:p>
-            <a:pPr algn="ctr"/>
-            <a:r>
-              <a:rPr lang="en-US" dirty="0"/>
-              <a:t>End Question 4</a:t>
-            </a:r>
-            <a:br>
-              <a:rPr lang="en-US" dirty="0"/>
-            </a:br>
-            <a:br>
-              <a:rPr lang="en-US" dirty="0"/>
-            </a:br>
-            <a:br>
-              <a:rPr lang="en-US" dirty="0"/>
-            </a:br>
-            <a:endParaRPr lang="en-US" dirty="0"/>
-          </a:p>
-        </p:txBody>
-      </p:sp>
-      <p:sp>
-        <p:nvSpPr>
-          <p:cNvPr id="4" name="Slide Number Placeholder 3"/>
-          <p:cNvSpPr>
-            <a:spLocks noGrp="1"/>
-          </p:cNvSpPr>
-          <p:nvPr>
-            <p:ph type="sldNum" sz="quarter" idx="12"/>
-          </p:nvPr>
-        </p:nvSpPr>
-        <p:spPr>
-          <a:xfrm>
-            <a:off x="7425345" y="6459789"/>
-            <a:ext cx="984019" cy="365125"/>
-          </a:xfrm>
-          <a:prstGeom prst="rect">
-            <a:avLst/>
-          </a:prstGeom>
-        </p:spPr>
-        <p:txBody>
-          <a:bodyPr vert="horz" lIns="91440" tIns="45720" rIns="91440" bIns="45720" rtlCol="0" anchor="ctr"/>
-          <a:lstStyle>
-            <a:defPPr>
-              <a:defRPr lang="en-US"/>
-            </a:defPPr>
-            <a:lvl1pPr marL="0" algn="r" defTabSz="914400" rtl="0" eaLnBrk="1" latinLnBrk="0" hangingPunct="1">
-              <a:defRPr sz="1050" kern="1200">
-                <a:solidFill>
-                  <a:srgbClr val="FFFFFF"/>
-                </a:solidFill>
-                <a:latin typeface="+mn-lt"/>
-                <a:ea typeface="+mn-ea"/>
-                <a:cs typeface="+mn-cs"/>
-              </a:defRPr>
-            </a:lvl1pPr>
-            <a:lvl2pPr marL="457200" algn="l" defTabSz="914400" rtl="0" eaLnBrk="1" latinLnBrk="0" hangingPunct="1">
-              <a:defRPr sz="1800" kern="1200">
-                <a:solidFill>
-                  <a:schemeClr val="tx1"/>
-                </a:solidFill>
-                <a:latin typeface="+mn-lt"/>
-                <a:ea typeface="+mn-ea"/>
-                <a:cs typeface="+mn-cs"/>
-              </a:defRPr>
-            </a:lvl2pPr>
-            <a:lvl3pPr marL="914400" algn="l" defTabSz="914400" rtl="0" eaLnBrk="1" latinLnBrk="0" hangingPunct="1">
-              <a:defRPr sz="1800" kern="1200">
-                <a:solidFill>
-                  <a:schemeClr val="tx1"/>
-                </a:solidFill>
-                <a:latin typeface="+mn-lt"/>
-                <a:ea typeface="+mn-ea"/>
-                <a:cs typeface="+mn-cs"/>
-              </a:defRPr>
-            </a:lvl3pPr>
-            <a:lvl4pPr marL="1371600" algn="l" defTabSz="914400" rtl="0" eaLnBrk="1" latinLnBrk="0" hangingPunct="1">
-              <a:defRPr sz="1800" kern="1200">
-                <a:solidFill>
-                  <a:schemeClr val="tx1"/>
-                </a:solidFill>
-                <a:latin typeface="+mn-lt"/>
-                <a:ea typeface="+mn-ea"/>
-                <a:cs typeface="+mn-cs"/>
-              </a:defRPr>
-            </a:lvl4pPr>
-            <a:lvl5pPr marL="1828800" algn="l" defTabSz="914400" rtl="0" eaLnBrk="1" latinLnBrk="0" hangingPunct="1">
-              <a:defRPr sz="1800" kern="1200">
-                <a:solidFill>
-                  <a:schemeClr val="tx1"/>
-                </a:solidFill>
-                <a:latin typeface="+mn-lt"/>
-                <a:ea typeface="+mn-ea"/>
-                <a:cs typeface="+mn-cs"/>
-              </a:defRPr>
-            </a:lvl5pPr>
-            <a:lvl6pPr marL="2286000" algn="l" defTabSz="914400" rtl="0" eaLnBrk="1" latinLnBrk="0" hangingPunct="1">
-              <a:defRPr sz="1800" kern="1200">
-                <a:solidFill>
-                  <a:schemeClr val="tx1"/>
-                </a:solidFill>
-                <a:latin typeface="+mn-lt"/>
-                <a:ea typeface="+mn-ea"/>
-                <a:cs typeface="+mn-cs"/>
-              </a:defRPr>
-            </a:lvl6pPr>
-            <a:lvl7pPr marL="2743200" algn="l" defTabSz="914400" rtl="0" eaLnBrk="1" latinLnBrk="0" hangingPunct="1">
-              <a:defRPr sz="1800" kern="1200">
-                <a:solidFill>
-                  <a:schemeClr val="tx1"/>
-                </a:solidFill>
-                <a:latin typeface="+mn-lt"/>
-                <a:ea typeface="+mn-ea"/>
-                <a:cs typeface="+mn-cs"/>
-              </a:defRPr>
-            </a:lvl7pPr>
-            <a:lvl8pPr marL="3200400" algn="l" defTabSz="914400" rtl="0" eaLnBrk="1" latinLnBrk="0" hangingPunct="1">
-              <a:defRPr sz="1800" kern="1200">
-                <a:solidFill>
-                  <a:schemeClr val="tx1"/>
-                </a:solidFill>
-                <a:latin typeface="+mn-lt"/>
-                <a:ea typeface="+mn-ea"/>
-                <a:cs typeface="+mn-cs"/>
-              </a:defRPr>
-            </a:lvl8pPr>
-            <a:lvl9pPr marL="3657600" algn="l" defTabSz="914400" rtl="0" eaLnBrk="1" latinLnBrk="0" hangingPunct="1">
-              <a:defRPr sz="1800" kern="1200">
-                <a:solidFill>
-                  <a:schemeClr val="tx1"/>
-                </a:solidFill>
-                <a:latin typeface="+mn-lt"/>
-                <a:ea typeface="+mn-ea"/>
-                <a:cs typeface="+mn-cs"/>
-              </a:defRPr>
-            </a:lvl9pPr>
-          </a:lstStyle>
-          <a:p>
-            <a:pPr>
-              <a:defRPr/>
-            </a:pPr>
-            <a:fld id="{85BC5B7D-D6B0-4550-9BAF-D21F2647AC79}" type="slidenum">
-              <a:rPr lang="en-US" altLang="en-US" smtClean="0"/>
-              <a:pPr>
-                <a:defRPr/>
-              </a:pPr>
-              <a:t>11</a:t>
-            </a:fld>
-            <a:endParaRPr lang="en-US" altLang="en-US" dirty="0"/>
-          </a:p>
-        </p:txBody>
-      </p:sp>
-    </p:spTree>
-    <p:extLst>
-      <p:ext uri="{BB962C8B-B14F-4D97-AF65-F5344CB8AC3E}">
-        <p14:creationId xmlns:p14="http://schemas.microsoft.com/office/powerpoint/2010/main" val="2260482358"/>
-      </p:ext>
-    </p:extLst>
-  </p:cSld>
-  <p:clrMapOvr>
-    <a:masterClrMapping/>
-  </p:clrMapOvr>
-</p:sld>
-</file>
-
-<file path=ppt/slides/slide12.xml><?xml version="1.0" encoding="utf-8"?>
-<p:sld xmlns:a="http://schemas.openxmlformats.org/drawingml/2006/main" xmlns:r="http://schemas.openxmlformats.org/officeDocument/2006/relationships" xmlns:p="http://schemas.openxmlformats.org/presentationml/2006/main">
-  <p:cSld>
-    <p:spTree>
-      <p:nvGrpSpPr>
-        <p:cNvPr id="1" name=""/>
-        <p:cNvGrpSpPr/>
-        <p:nvPr/>
-      </p:nvGrpSpPr>
-      <p:grpSpPr>
-        <a:xfrm>
-          <a:off x="0" y="0"/>
-          <a:ext cx="0" cy="0"/>
-          <a:chOff x="0" y="0"/>
-          <a:chExt cx="0" cy="0"/>
-        </a:xfrm>
-      </p:grpSpPr>
       <p:sp>
         <p:nvSpPr>
           <p:cNvPr id="2" name="Title 1">
@@ -3097,136 +2628,7 @@
             <a:pPr algn="l"/>
             <a:r>
               <a:rPr lang="en-US" dirty="0"/>
-              <a:t>Question 5: Takeaways!</a:t>
-            </a:r>
-          </a:p>
-        </p:txBody>
-      </p:sp>
-      <p:sp>
-        <p:nvSpPr>
-          <p:cNvPr id="3" name="Content Placeholder 2">
-            <a:extLst>
-              <a:ext uri="{FF2B5EF4-FFF2-40B4-BE49-F238E27FC236}">
-                <a16:creationId xmlns:a16="http://schemas.microsoft.com/office/drawing/2014/main" id="{1E3CA146-5F00-F544-97FC-4BDA5AA35C64}"/>
-              </a:ext>
-            </a:extLst>
-          </p:cNvPr>
-          <p:cNvSpPr>
-            <a:spLocks noGrp="1"/>
-          </p:cNvSpPr>
-          <p:nvPr>
-            <p:ph idx="1"/>
-          </p:nvPr>
-        </p:nvSpPr>
-        <p:spPr>
-          <a:xfrm>
-            <a:off x="533400" y="1825625"/>
-            <a:ext cx="9657945" cy="4351338"/>
-          </a:xfrm>
-        </p:spPr>
-        <p:txBody>
-          <a:bodyPr>
-            <a:normAutofit fontScale="92500" lnSpcReduction="10000"/>
-          </a:bodyPr>
-          <a:lstStyle/>
-          <a:p>
-            <a:pPr marL="0" indent="0">
-              <a:buNone/>
-            </a:pPr>
-            <a:r>
-              <a:rPr lang="en-US" dirty="0"/>
-              <a:t>Please provide at least 4 takeaways from this section and any questions that you may have.  These questions will help design the live session for this unit.</a:t>
-            </a:r>
-          </a:p>
-          <a:p>
-            <a:pPr marL="0" indent="0">
-              <a:buNone/>
-            </a:pPr>
-            <a:r>
-              <a:rPr lang="en-US" dirty="0"/>
-              <a:t> </a:t>
-            </a:r>
-          </a:p>
-          <a:p>
-            <a:pPr marL="0" indent="0">
-              <a:buNone/>
-            </a:pPr>
-            <a:r>
-              <a:rPr lang="en-US" sz="2000" i="1" dirty="0"/>
-              <a:t>This question will be the last question of every For Live Session Assignment. The idea is that this deck will serve as a document that you can reference in the future to remember what was covered in this section.  For instance, this may come in handy for the Capstone and will hopefully become useful in your career.  Most immediately, it may become handy as a quick reference for your Midterm and Final!  Some students find it very useful and spend a few slides summarizing the </a:t>
-            </a:r>
-            <a:r>
-              <a:rPr lang="en-US" sz="2000" i="1" dirty="0" err="1"/>
-              <a:t>asynch</a:t>
-            </a:r>
-            <a:r>
-              <a:rPr lang="en-US" sz="2000" i="1" dirty="0"/>
-              <a:t> material while others learn different ways and only had the minimum 4 takeaways.  Either is fine and will earn you full credit for this question.  </a:t>
-            </a:r>
-          </a:p>
-          <a:p>
-            <a:pPr marL="0" indent="0">
-              <a:buNone/>
-            </a:pPr>
-            <a:endParaRPr lang="en-US" dirty="0"/>
-          </a:p>
-        </p:txBody>
-      </p:sp>
-    </p:spTree>
-    <p:extLst>
-      <p:ext uri="{BB962C8B-B14F-4D97-AF65-F5344CB8AC3E}">
-        <p14:creationId xmlns:p14="http://schemas.microsoft.com/office/powerpoint/2010/main" val="2751418390"/>
-      </p:ext>
-    </p:extLst>
-  </p:cSld>
-  <p:clrMapOvr>
-    <a:masterClrMapping/>
-  </p:clrMapOvr>
-</p:sld>
-</file>
-
-<file path=ppt/slides/slide13.xml><?xml version="1.0" encoding="utf-8"?>
-<p:sld xmlns:a="http://schemas.openxmlformats.org/drawingml/2006/main" xmlns:r="http://schemas.openxmlformats.org/officeDocument/2006/relationships" xmlns:p="http://schemas.openxmlformats.org/presentationml/2006/main">
-  <p:cSld>
-    <p:spTree>
-      <p:nvGrpSpPr>
-        <p:cNvPr id="1" name=""/>
-        <p:cNvGrpSpPr/>
-        <p:nvPr/>
-      </p:nvGrpSpPr>
-      <p:grpSpPr>
-        <a:xfrm>
-          <a:off x="0" y="0"/>
-          <a:ext cx="0" cy="0"/>
-          <a:chOff x="0" y="0"/>
-          <a:chExt cx="0" cy="0"/>
-        </a:xfrm>
-      </p:grpSpPr>
-      <p:sp>
-        <p:nvSpPr>
-          <p:cNvPr id="2" name="Title 1">
-            <a:extLst>
-              <a:ext uri="{FF2B5EF4-FFF2-40B4-BE49-F238E27FC236}">
-                <a16:creationId xmlns:a16="http://schemas.microsoft.com/office/drawing/2014/main" id="{78576CAF-641E-A545-AB1E-A0BE7A1FF036}"/>
-              </a:ext>
-            </a:extLst>
-          </p:cNvPr>
-          <p:cNvSpPr>
-            <a:spLocks noGrp="1"/>
-          </p:cNvSpPr>
-          <p:nvPr>
-            <p:ph type="title"/>
-          </p:nvPr>
-        </p:nvSpPr>
-        <p:spPr/>
-        <p:txBody>
-          <a:bodyPr/>
-          <a:lstStyle/>
-          <a:p>
-            <a:pPr algn="l"/>
-            <a:r>
-              <a:rPr lang="en-US" dirty="0"/>
-              <a:t>Question 6: Questions!</a:t>
+              <a:t>Question 4: Questions!</a:t>
             </a:r>
           </a:p>
         </p:txBody>
@@ -3314,121 +2716,7 @@
 </p:sld>
 </file>
 
-<file path=ppt/slides/slide14.xml><?xml version="1.0" encoding="utf-8"?>
-<p:sld xmlns:a="http://schemas.openxmlformats.org/drawingml/2006/main" xmlns:r="http://schemas.openxmlformats.org/officeDocument/2006/relationships" xmlns:p="http://schemas.openxmlformats.org/presentationml/2006/main">
-  <p:cSld>
-    <p:spTree>
-      <p:nvGrpSpPr>
-        <p:cNvPr id="1" name=""/>
-        <p:cNvGrpSpPr/>
-        <p:nvPr/>
-      </p:nvGrpSpPr>
-      <p:grpSpPr>
-        <a:xfrm>
-          <a:off x="0" y="0"/>
-          <a:ext cx="0" cy="0"/>
-          <a:chOff x="0" y="0"/>
-          <a:chExt cx="0" cy="0"/>
-        </a:xfrm>
-      </p:grpSpPr>
-      <p:sp>
-        <p:nvSpPr>
-          <p:cNvPr id="2" name="Title 1">
-            <a:extLst>
-              <a:ext uri="{FF2B5EF4-FFF2-40B4-BE49-F238E27FC236}">
-                <a16:creationId xmlns:a16="http://schemas.microsoft.com/office/drawing/2014/main" id="{15AA263F-DF77-484F-95D7-2418A3C1B3BA}"/>
-              </a:ext>
-            </a:extLst>
-          </p:cNvPr>
-          <p:cNvSpPr>
-            <a:spLocks noGrp="1"/>
-          </p:cNvSpPr>
-          <p:nvPr>
-            <p:ph type="title"/>
-          </p:nvPr>
-        </p:nvSpPr>
-        <p:spPr/>
-        <p:txBody>
-          <a:bodyPr/>
-          <a:lstStyle/>
-          <a:p>
-            <a:r>
-              <a:rPr lang="en-US" dirty="0"/>
-              <a:t>Useful Resources</a:t>
-            </a:r>
-          </a:p>
-        </p:txBody>
-      </p:sp>
-      <p:sp>
-        <p:nvSpPr>
-          <p:cNvPr id="3" name="Content Placeholder 2">
-            <a:extLst>
-              <a:ext uri="{FF2B5EF4-FFF2-40B4-BE49-F238E27FC236}">
-                <a16:creationId xmlns:a16="http://schemas.microsoft.com/office/drawing/2014/main" id="{1875C429-4323-234C-B478-15E1F2AF4390}"/>
-              </a:ext>
-            </a:extLst>
-          </p:cNvPr>
-          <p:cNvSpPr>
-            <a:spLocks noGrp="1"/>
-          </p:cNvSpPr>
-          <p:nvPr>
-            <p:ph idx="1"/>
-          </p:nvPr>
-        </p:nvSpPr>
-        <p:spPr/>
-        <p:txBody>
-          <a:bodyPr/>
-          <a:lstStyle/>
-          <a:p>
-            <a:r>
-              <a:rPr lang="en-US" dirty="0"/>
-              <a:t>SAS proc Power Info</a:t>
-            </a:r>
-          </a:p>
-          <a:p>
-            <a:pPr lvl="1"/>
-            <a:r>
-              <a:rPr lang="en-US" sz="2400" dirty="0"/>
-              <a:t>https://</a:t>
-            </a:r>
-            <a:r>
-              <a:rPr lang="en-US" sz="2400" dirty="0" err="1"/>
-              <a:t>support.sas.com</a:t>
-            </a:r>
-            <a:r>
-              <a:rPr lang="en-US" sz="2400" dirty="0"/>
-              <a:t>/documentation/</a:t>
-            </a:r>
-            <a:r>
-              <a:rPr lang="en-US" sz="2400" dirty="0" err="1"/>
-              <a:t>onlinedoc</a:t>
-            </a:r>
-            <a:r>
-              <a:rPr lang="en-US" sz="2400" dirty="0"/>
-              <a:t>/stat/141/</a:t>
-            </a:r>
-            <a:r>
-              <a:rPr lang="en-US" sz="2400" dirty="0" err="1"/>
-              <a:t>power.pdf</a:t>
-            </a:r>
-            <a:endParaRPr lang="en-US" sz="2400" dirty="0"/>
-          </a:p>
-        </p:txBody>
-      </p:sp>
-    </p:spTree>
-    <p:extLst>
-      <p:ext uri="{BB962C8B-B14F-4D97-AF65-F5344CB8AC3E}">
-        <p14:creationId xmlns:p14="http://schemas.microsoft.com/office/powerpoint/2010/main" val="831829295"/>
-      </p:ext>
-    </p:extLst>
-  </p:cSld>
-  <p:clrMapOvr>
-    <a:masterClrMapping/>
-  </p:clrMapOvr>
-</p:sld>
-</file>
-
-<file path=ppt/slides/slide15.xml><?xml version="1.0" encoding="utf-8"?>
+<file path=ppt/slides/slide11.xml><?xml version="1.0" encoding="utf-8"?>
 <p:sld xmlns:a="http://schemas.openxmlformats.org/drawingml/2006/main" xmlns:r="http://schemas.openxmlformats.org/officeDocument/2006/relationships" xmlns:p="http://schemas.openxmlformats.org/presentationml/2006/main">
   <p:cSld>
     <p:spTree>
@@ -3474,7 +2762,7 @@
             <a:pPr algn="ctr"/>
             <a:r>
               <a:rPr lang="en-US" dirty="0"/>
-              <a:t>End For Live Session Assignment Unit 4!</a:t>
+              <a:t>End For Live Session Assignment Unit 5!</a:t>
             </a:r>
           </a:p>
         </p:txBody>
@@ -3610,7 +2898,7 @@
               <a:pPr>
                 <a:defRPr/>
               </a:pPr>
-              <a:t>15</a:t>
+              <a:t>11</a:t>
             </a:fld>
             <a:endParaRPr lang="en-US" altLang="en-US" dirty="0"/>
           </a:p>
@@ -3673,6 +2961,13 @@
           <a:lstStyle/>
           <a:p>
             <a:pPr algn="ctr"/>
+            <a:r>
+              <a:rPr lang="en-US" dirty="0"/>
+              <a:t>Question 1:</a:t>
+            </a:r>
+            <a:br>
+              <a:rPr lang="en-US" dirty="0"/>
+            </a:br>
             <a:r>
               <a:rPr lang="en-US" dirty="0"/>
               <a:t>Quick Quiz Questions</a:t>
@@ -3902,40 +3197,20 @@
             <p:ph type="title"/>
           </p:nvPr>
         </p:nvSpPr>
-        <p:spPr/>
+        <p:spPr>
+          <a:xfrm>
+            <a:off x="609600" y="3124200"/>
+            <a:ext cx="10972800" cy="1143000"/>
+          </a:xfrm>
+        </p:spPr>
         <p:txBody>
           <a:bodyPr/>
           <a:lstStyle/>
           <a:p>
             <a:r>
               <a:rPr lang="en-US" dirty="0"/>
-              <a:t>End Part 1</a:t>
-            </a:r>
-          </a:p>
-        </p:txBody>
-      </p:sp>
-      <p:sp>
-        <p:nvSpPr>
-          <p:cNvPr id="3" name="Content Placeholder 2">
-            <a:extLst>
-              <a:ext uri="{FF2B5EF4-FFF2-40B4-BE49-F238E27FC236}">
-                <a16:creationId xmlns:a16="http://schemas.microsoft.com/office/drawing/2014/main" id="{ED04B1DB-8520-6A4F-987A-6E60EBC10B33}"/>
-              </a:ext>
-            </a:extLst>
-          </p:cNvPr>
-          <p:cNvSpPr>
-            <a:spLocks noGrp="1"/>
-          </p:cNvSpPr>
-          <p:nvPr>
-            <p:ph idx="1"/>
-          </p:nvPr>
-        </p:nvSpPr>
-        <p:spPr/>
-        <p:txBody>
-          <a:bodyPr/>
-          <a:lstStyle/>
-          <a:p>
-            <a:endParaRPr lang="en-US"/>
+              <a:t>End Question 1</a:t>
+            </a:r>
           </a:p>
         </p:txBody>
       </p:sp>
@@ -4237,7 +3512,13 @@
       </p:grpSpPr>
       <p:sp>
         <p:nvSpPr>
-          <p:cNvPr id="2" name="Title 1"/>
+          <p:cNvPr id="2" name="Title 1">
+            <a:extLst>
+              <a:ext uri="{FF2B5EF4-FFF2-40B4-BE49-F238E27FC236}">
+                <a16:creationId xmlns:a16="http://schemas.microsoft.com/office/drawing/2014/main" id="{AD5F5CC1-17A8-144D-BB4D-794B04E87DD3}"/>
+              </a:ext>
+            </a:extLst>
+          </p:cNvPr>
           <p:cNvSpPr>
             <a:spLocks noGrp="1"/>
           </p:cNvSpPr>
@@ -4245,169 +3526,125 @@
             <p:ph type="title"/>
           </p:nvPr>
         </p:nvSpPr>
+        <p:spPr/>
+        <p:txBody>
+          <a:bodyPr/>
+          <a:lstStyle/>
+          <a:p>
+            <a:endParaRPr lang="en-US"/>
+          </a:p>
+        </p:txBody>
+      </p:sp>
+      <p:sp>
+        <p:nvSpPr>
+          <p:cNvPr id="3" name="Content Placeholder 2">
+            <a:extLst>
+              <a:ext uri="{FF2B5EF4-FFF2-40B4-BE49-F238E27FC236}">
+                <a16:creationId xmlns:a16="http://schemas.microsoft.com/office/drawing/2014/main" id="{9EBDA57C-0EE1-6348-A2FD-671FDCFD73D9}"/>
+              </a:ext>
+            </a:extLst>
+          </p:cNvPr>
+          <p:cNvSpPr>
+            <a:spLocks noGrp="1"/>
+          </p:cNvSpPr>
+          <p:nvPr>
+            <p:ph idx="1"/>
+          </p:nvPr>
+        </p:nvSpPr>
         <p:spPr>
           <a:xfrm>
-            <a:off x="1781783" y="3429001"/>
-            <a:ext cx="8628434" cy="1450757"/>
+            <a:off x="381000" y="1600203"/>
+            <a:ext cx="11430000" cy="4525963"/>
           </a:xfrm>
         </p:spPr>
         <p:txBody>
           <a:bodyPr/>
           <a:lstStyle/>
           <a:p>
-            <a:pPr algn="ctr"/>
-            <a:r>
-              <a:rPr lang="en-US" dirty="0"/>
-              <a:t>End Question 2</a:t>
-            </a:r>
-            <a:br>
-              <a:rPr lang="en-US" dirty="0"/>
-            </a:br>
-            <a:br>
-              <a:rPr lang="en-US" dirty="0"/>
-            </a:br>
-            <a:br>
-              <a:rPr lang="en-US" dirty="0"/>
-            </a:br>
-            <a:endParaRPr lang="en-US" dirty="0"/>
-          </a:p>
-        </p:txBody>
-      </p:sp>
-      <p:sp>
-        <p:nvSpPr>
-          <p:cNvPr id="4" name="Slide Number Placeholder 3"/>
-          <p:cNvSpPr>
-            <a:spLocks noGrp="1"/>
-          </p:cNvSpPr>
-          <p:nvPr>
-            <p:ph type="sldNum" sz="quarter" idx="12"/>
-          </p:nvPr>
-        </p:nvSpPr>
-        <p:spPr>
-          <a:xfrm>
-            <a:off x="7425345" y="6459789"/>
-            <a:ext cx="984019" cy="365125"/>
-          </a:xfrm>
-          <a:prstGeom prst="rect">
-            <a:avLst/>
-          </a:prstGeom>
-        </p:spPr>
-        <p:txBody>
-          <a:bodyPr vert="horz" lIns="91440" tIns="45720" rIns="91440" bIns="45720" rtlCol="0" anchor="ctr"/>
-          <a:lstStyle>
-            <a:defPPr>
-              <a:defRPr lang="en-US"/>
-            </a:defPPr>
-            <a:lvl1pPr marL="0" algn="r" defTabSz="914400" rtl="0" eaLnBrk="1" latinLnBrk="0" hangingPunct="1">
-              <a:defRPr sz="1050" kern="1200">
-                <a:solidFill>
-                  <a:srgbClr val="FFFFFF"/>
-                </a:solidFill>
-                <a:latin typeface="+mn-lt"/>
-                <a:ea typeface="+mn-ea"/>
-                <a:cs typeface="+mn-cs"/>
-              </a:defRPr>
-            </a:lvl1pPr>
-            <a:lvl2pPr marL="457200" algn="l" defTabSz="914400" rtl="0" eaLnBrk="1" latinLnBrk="0" hangingPunct="1">
-              <a:defRPr sz="1800" kern="1200">
-                <a:solidFill>
-                  <a:schemeClr val="tx1"/>
-                </a:solidFill>
-                <a:latin typeface="+mn-lt"/>
-                <a:ea typeface="+mn-ea"/>
-                <a:cs typeface="+mn-cs"/>
-              </a:defRPr>
-            </a:lvl2pPr>
-            <a:lvl3pPr marL="914400" algn="l" defTabSz="914400" rtl="0" eaLnBrk="1" latinLnBrk="0" hangingPunct="1">
-              <a:defRPr sz="1800" kern="1200">
-                <a:solidFill>
-                  <a:schemeClr val="tx1"/>
-                </a:solidFill>
-                <a:latin typeface="+mn-lt"/>
-                <a:ea typeface="+mn-ea"/>
-                <a:cs typeface="+mn-cs"/>
-              </a:defRPr>
-            </a:lvl3pPr>
-            <a:lvl4pPr marL="1371600" algn="l" defTabSz="914400" rtl="0" eaLnBrk="1" latinLnBrk="0" hangingPunct="1">
-              <a:defRPr sz="1800" kern="1200">
-                <a:solidFill>
-                  <a:schemeClr val="tx1"/>
-                </a:solidFill>
-                <a:latin typeface="+mn-lt"/>
-                <a:ea typeface="+mn-ea"/>
-                <a:cs typeface="+mn-cs"/>
-              </a:defRPr>
-            </a:lvl4pPr>
-            <a:lvl5pPr marL="1828800" algn="l" defTabSz="914400" rtl="0" eaLnBrk="1" latinLnBrk="0" hangingPunct="1">
-              <a:defRPr sz="1800" kern="1200">
-                <a:solidFill>
-                  <a:schemeClr val="tx1"/>
-                </a:solidFill>
-                <a:latin typeface="+mn-lt"/>
-                <a:ea typeface="+mn-ea"/>
-                <a:cs typeface="+mn-cs"/>
-              </a:defRPr>
-            </a:lvl5pPr>
-            <a:lvl6pPr marL="2286000" algn="l" defTabSz="914400" rtl="0" eaLnBrk="1" latinLnBrk="0" hangingPunct="1">
-              <a:defRPr sz="1800" kern="1200">
-                <a:solidFill>
-                  <a:schemeClr val="tx1"/>
-                </a:solidFill>
-                <a:latin typeface="+mn-lt"/>
-                <a:ea typeface="+mn-ea"/>
-                <a:cs typeface="+mn-cs"/>
-              </a:defRPr>
-            </a:lvl6pPr>
-            <a:lvl7pPr marL="2743200" algn="l" defTabSz="914400" rtl="0" eaLnBrk="1" latinLnBrk="0" hangingPunct="1">
-              <a:defRPr sz="1800" kern="1200">
-                <a:solidFill>
-                  <a:schemeClr val="tx1"/>
-                </a:solidFill>
-                <a:latin typeface="+mn-lt"/>
-                <a:ea typeface="+mn-ea"/>
-                <a:cs typeface="+mn-cs"/>
-              </a:defRPr>
-            </a:lvl7pPr>
-            <a:lvl8pPr marL="3200400" algn="l" defTabSz="914400" rtl="0" eaLnBrk="1" latinLnBrk="0" hangingPunct="1">
-              <a:defRPr sz="1800" kern="1200">
-                <a:solidFill>
-                  <a:schemeClr val="tx1"/>
-                </a:solidFill>
-                <a:latin typeface="+mn-lt"/>
-                <a:ea typeface="+mn-ea"/>
-                <a:cs typeface="+mn-cs"/>
-              </a:defRPr>
-            </a:lvl8pPr>
-            <a:lvl9pPr marL="3657600" algn="l" defTabSz="914400" rtl="0" eaLnBrk="1" latinLnBrk="0" hangingPunct="1">
-              <a:defRPr sz="1800" kern="1200">
-                <a:solidFill>
-                  <a:schemeClr val="tx1"/>
-                </a:solidFill>
-                <a:latin typeface="+mn-lt"/>
-                <a:ea typeface="+mn-ea"/>
-                <a:cs typeface="+mn-cs"/>
-              </a:defRPr>
-            </a:lvl9pPr>
-          </a:lstStyle>
-          <a:p>
-            <a:pPr>
-              <a:defRPr/>
-            </a:pPr>
-            <a:fld id="{85BC5B7D-D6B0-4550-9BAF-D21F2647AC79}" type="slidenum">
-              <a:rPr lang="en-US" altLang="en-US" smtClean="0"/>
-              <a:pPr>
-                <a:defRPr/>
-              </a:pPr>
-              <a:t>7</a:t>
-            </a:fld>
-            <a:endParaRPr lang="en-US" altLang="en-US" dirty="0"/>
+            <a:pPr lvl="0"/>
+            <a:r>
+              <a:rPr lang="en-US" sz="1800" dirty="0"/>
+              <a:t>When wildfires ravage forests, the timber industry argues that logging </a:t>
+            </a:r>
+            <a:r>
+              <a:rPr lang="en-US" sz="1800" b="1" dirty="0"/>
+              <a:t>(actual logging of trees … not the mathematical log!)</a:t>
+            </a:r>
+            <a:r>
+              <a:rPr lang="en-US" sz="1800" dirty="0"/>
+              <a:t> the burned trees enhances forest recovery; the EPA argues the opposite. The 2002 Biscuit Fire in southwest Oregon provided a test case.  Researchers selected 16 fire-affected plots in 2004, before any logging was done and counted tree seedlings along a randomly located transect pattern in each plot.  They returned in 2005, after nine of the plots had been logged, and counted the tree seedlings along the same transects.  The percent of seedlings lost from 2004 to 2005 is recorded in the file </a:t>
+            </a:r>
+            <a:r>
+              <a:rPr lang="en-US" sz="1800" b="1" i="1" dirty="0" err="1"/>
+              <a:t>logging.csv</a:t>
+            </a:r>
+            <a:r>
+              <a:rPr lang="en-US" sz="1800" dirty="0"/>
+              <a:t> for logged (L) and unlogged (U) plots:</a:t>
+            </a:r>
+          </a:p>
+          <a:p>
+            <a:r>
+              <a:rPr lang="en-US" sz="1800" dirty="0"/>
+              <a:t>Test the EPA’s assertion (and thus the opposite of the logging industries assertion) that logging </a:t>
+            </a:r>
+            <a:r>
+              <a:rPr lang="en-US" sz="1800" b="1" dirty="0"/>
+              <a:t>(again…. not the mathematical log! :)</a:t>
+            </a:r>
+            <a:r>
+              <a:rPr lang="en-US" sz="1800" dirty="0"/>
+              <a:t> actually increases the percentage of seedlings lost from 2004 to 2005.  </a:t>
+            </a:r>
+          </a:p>
+          <a:p>
+            <a:pPr lvl="1"/>
+            <a:r>
+              <a:rPr lang="en-US" sz="1600" dirty="0"/>
+              <a:t>Perform a complete analysis using a rank sum test in SAS. (Logging data).</a:t>
+            </a:r>
+          </a:p>
+          <a:p>
+            <a:pPr lvl="1"/>
+            <a:r>
+              <a:rPr lang="en-US" sz="1600" dirty="0"/>
+              <a:t>Verify the p-value and confidence interval by running the rank sum test in R (using R function </a:t>
+            </a:r>
+            <a:r>
+              <a:rPr lang="en-US" sz="1600" dirty="0" err="1"/>
+              <a:t>Wilcox.test</a:t>
+            </a:r>
+            <a:r>
+              <a:rPr lang="en-US" sz="1600" dirty="0"/>
+              <a:t>).  (You do not need to repeat the complete analysis … simply cut and paste a screen shot of your code and the output.) You may use: </a:t>
+            </a:r>
+            <a:r>
+              <a:rPr lang="en-US" sz="1600" u="sng" dirty="0">
+                <a:hlinkClick r:id="rId2"/>
+              </a:rPr>
+              <a:t>https://www.r-bloggers.com/wilcoxon-mann-whitney-rank-sum-test-or-test-u/</a:t>
+            </a:r>
+            <a:r>
+              <a:rPr lang="en-US" sz="1600" dirty="0"/>
+              <a:t> for reference. </a:t>
+            </a:r>
+          </a:p>
+          <a:p>
+            <a:pPr lvl="1"/>
+            <a:r>
+              <a:rPr lang="en-US" sz="1600" dirty="0"/>
+              <a:t>Finally, perform a permutation test for the difference of means.  </a:t>
+            </a:r>
+          </a:p>
+          <a:p>
+            <a:endParaRPr lang="en-US" sz="1800" dirty="0"/>
           </a:p>
         </p:txBody>
       </p:sp>
     </p:spTree>
     <p:extLst>
       <p:ext uri="{BB962C8B-B14F-4D97-AF65-F5344CB8AC3E}">
-        <p14:creationId xmlns:p14="http://schemas.microsoft.com/office/powerpoint/2010/main" val="2411195427"/>
+        <p14:creationId xmlns:p14="http://schemas.microsoft.com/office/powerpoint/2010/main" val="45761415"/>
       </p:ext>
     </p:extLst>
   </p:cSld>
@@ -4418,272 +3655,6 @@
 </file>
 
 <file path=ppt/slides/slide8.xml><?xml version="1.0" encoding="utf-8"?>
-<p:sld xmlns:a="http://schemas.openxmlformats.org/drawingml/2006/main" xmlns:r="http://schemas.openxmlformats.org/officeDocument/2006/relationships" xmlns:p="http://schemas.openxmlformats.org/presentationml/2006/main">
-  <p:cSld>
-    <p:spTree>
-      <p:nvGrpSpPr>
-        <p:cNvPr id="1" name=""/>
-        <p:cNvGrpSpPr/>
-        <p:nvPr/>
-      </p:nvGrpSpPr>
-      <p:grpSpPr>
-        <a:xfrm>
-          <a:off x="0" y="0"/>
-          <a:ext cx="0" cy="0"/>
-          <a:chOff x="0" y="0"/>
-          <a:chExt cx="0" cy="0"/>
-        </a:xfrm>
-      </p:grpSpPr>
-      <mc:AlternateContent xmlns:mc="http://schemas.openxmlformats.org/markup-compatibility/2006" xmlns:a14="http://schemas.microsoft.com/office/drawing/2010/main">
-        <mc:Choice Requires="a14">
-          <p:sp>
-            <p:nvSpPr>
-              <p:cNvPr id="2" name="Title 1"/>
-              <p:cNvSpPr>
-                <a:spLocks noGrp="1"/>
-              </p:cNvSpPr>
-              <p:nvPr>
-                <p:ph type="title"/>
-              </p:nvPr>
-            </p:nvSpPr>
-            <p:spPr>
-              <a:xfrm>
-                <a:off x="1781783" y="3429001"/>
-                <a:ext cx="8628434" cy="1450757"/>
-              </a:xfrm>
-            </p:spPr>
-            <p:txBody>
-              <a:bodyPr/>
-              <a:lstStyle/>
-              <a:p>
-                <a:pPr algn="ctr"/>
-                <a:r>
-                  <a:rPr lang="en-US" dirty="0"/>
-                  <a:t>Question 3</a:t>
-                </a:r>
-                <a:br>
-                  <a:rPr lang="en-US" dirty="0"/>
-                </a:br>
-                <a:r>
-                  <a:rPr lang="en-US" dirty="0"/>
-                  <a:t>(</a:t>
-                </a:r>
-                <a14:m>
-                  <m:oMath xmlns:m="http://schemas.openxmlformats.org/officeDocument/2006/math">
-                    <m:r>
-                      <a:rPr lang="en-US" i="1" smtClean="0">
-                        <a:latin typeface="Cambria Math" panose="02040503050406030204" pitchFamily="18" charset="0"/>
-                        <a:ea typeface="Cambria Math" panose="02040503050406030204" pitchFamily="18" charset="0"/>
-                      </a:rPr>
-                      <m:t>≤</m:t>
-                    </m:r>
-                    <m:r>
-                      <a:rPr lang="en-US" b="0" i="0" smtClean="0">
-                        <a:latin typeface="Cambria Math" panose="02040503050406030204" pitchFamily="18" charset="0"/>
-                        <a:ea typeface="Cambria Math" panose="02040503050406030204" pitchFamily="18" charset="0"/>
-                      </a:rPr>
-                      <m:t>2</m:t>
-                    </m:r>
-                  </m:oMath>
-                </a14:m>
-                <a:r>
-                  <a:rPr lang="en-US" dirty="0"/>
-                  <a:t> hours)</a:t>
-                </a:r>
-                <a:br>
-                  <a:rPr lang="en-US" dirty="0"/>
-                </a:br>
-                <a:br>
-                  <a:rPr lang="en-US" dirty="0"/>
-                </a:br>
-                <a:endParaRPr lang="en-US" dirty="0"/>
-              </a:p>
-            </p:txBody>
-          </p:sp>
-        </mc:Choice>
-        <mc:Fallback xmlns="">
-          <p:sp>
-            <p:nvSpPr>
-              <p:cNvPr id="2" name="Title 1"/>
-              <p:cNvSpPr>
-                <a:spLocks noGrp="1" noRot="1" noChangeAspect="1" noMove="1" noResize="1" noEditPoints="1" noAdjustHandles="1" noChangeArrowheads="1" noChangeShapeType="1" noTextEdit="1"/>
-              </p:cNvSpPr>
-              <p:nvPr>
-                <p:ph type="title"/>
-              </p:nvPr>
-            </p:nvSpPr>
-            <p:spPr>
-              <a:xfrm>
-                <a:off x="1781783" y="3429001"/>
-                <a:ext cx="8628434" cy="1450757"/>
-              </a:xfrm>
-              <a:blipFill>
-                <a:blip r:embed="rId2"/>
-                <a:stretch>
-                  <a:fillRect t="-55263"/>
-                </a:stretch>
-              </a:blipFill>
-            </p:spPr>
-            <p:txBody>
-              <a:bodyPr/>
-              <a:lstStyle/>
-              <a:p>
-                <a:r>
-                  <a:rPr lang="en-US">
-                    <a:noFill/>
-                  </a:rPr>
-                  <a:t> </a:t>
-                </a:r>
-              </a:p>
-            </p:txBody>
-          </p:sp>
-        </mc:Fallback>
-      </mc:AlternateContent>
-      <p:sp>
-        <p:nvSpPr>
-          <p:cNvPr id="4" name="Slide Number Placeholder 3"/>
-          <p:cNvSpPr>
-            <a:spLocks noGrp="1"/>
-          </p:cNvSpPr>
-          <p:nvPr>
-            <p:ph type="sldNum" sz="quarter" idx="12"/>
-          </p:nvPr>
-        </p:nvSpPr>
-        <p:spPr>
-          <a:xfrm>
-            <a:off x="7425345" y="6459789"/>
-            <a:ext cx="984019" cy="365125"/>
-          </a:xfrm>
-          <a:prstGeom prst="rect">
-            <a:avLst/>
-          </a:prstGeom>
-        </p:spPr>
-        <p:txBody>
-          <a:bodyPr vert="horz" lIns="91440" tIns="45720" rIns="91440" bIns="45720" rtlCol="0" anchor="ctr"/>
-          <a:lstStyle>
-            <a:defPPr>
-              <a:defRPr lang="en-US"/>
-            </a:defPPr>
-            <a:lvl1pPr marL="0" algn="r" defTabSz="914400" rtl="0" eaLnBrk="1" latinLnBrk="0" hangingPunct="1">
-              <a:defRPr sz="1050" kern="1200">
-                <a:solidFill>
-                  <a:srgbClr val="FFFFFF"/>
-                </a:solidFill>
-                <a:latin typeface="+mn-lt"/>
-                <a:ea typeface="+mn-ea"/>
-                <a:cs typeface="+mn-cs"/>
-              </a:defRPr>
-            </a:lvl1pPr>
-            <a:lvl2pPr marL="457200" algn="l" defTabSz="914400" rtl="0" eaLnBrk="1" latinLnBrk="0" hangingPunct="1">
-              <a:defRPr sz="1800" kern="1200">
-                <a:solidFill>
-                  <a:schemeClr val="tx1"/>
-                </a:solidFill>
-                <a:latin typeface="+mn-lt"/>
-                <a:ea typeface="+mn-ea"/>
-                <a:cs typeface="+mn-cs"/>
-              </a:defRPr>
-            </a:lvl2pPr>
-            <a:lvl3pPr marL="914400" algn="l" defTabSz="914400" rtl="0" eaLnBrk="1" latinLnBrk="0" hangingPunct="1">
-              <a:defRPr sz="1800" kern="1200">
-                <a:solidFill>
-                  <a:schemeClr val="tx1"/>
-                </a:solidFill>
-                <a:latin typeface="+mn-lt"/>
-                <a:ea typeface="+mn-ea"/>
-                <a:cs typeface="+mn-cs"/>
-              </a:defRPr>
-            </a:lvl3pPr>
-            <a:lvl4pPr marL="1371600" algn="l" defTabSz="914400" rtl="0" eaLnBrk="1" latinLnBrk="0" hangingPunct="1">
-              <a:defRPr sz="1800" kern="1200">
-                <a:solidFill>
-                  <a:schemeClr val="tx1"/>
-                </a:solidFill>
-                <a:latin typeface="+mn-lt"/>
-                <a:ea typeface="+mn-ea"/>
-                <a:cs typeface="+mn-cs"/>
-              </a:defRPr>
-            </a:lvl4pPr>
-            <a:lvl5pPr marL="1828800" algn="l" defTabSz="914400" rtl="0" eaLnBrk="1" latinLnBrk="0" hangingPunct="1">
-              <a:defRPr sz="1800" kern="1200">
-                <a:solidFill>
-                  <a:schemeClr val="tx1"/>
-                </a:solidFill>
-                <a:latin typeface="+mn-lt"/>
-                <a:ea typeface="+mn-ea"/>
-                <a:cs typeface="+mn-cs"/>
-              </a:defRPr>
-            </a:lvl5pPr>
-            <a:lvl6pPr marL="2286000" algn="l" defTabSz="914400" rtl="0" eaLnBrk="1" latinLnBrk="0" hangingPunct="1">
-              <a:defRPr sz="1800" kern="1200">
-                <a:solidFill>
-                  <a:schemeClr val="tx1"/>
-                </a:solidFill>
-                <a:latin typeface="+mn-lt"/>
-                <a:ea typeface="+mn-ea"/>
-                <a:cs typeface="+mn-cs"/>
-              </a:defRPr>
-            </a:lvl6pPr>
-            <a:lvl7pPr marL="2743200" algn="l" defTabSz="914400" rtl="0" eaLnBrk="1" latinLnBrk="0" hangingPunct="1">
-              <a:defRPr sz="1800" kern="1200">
-                <a:solidFill>
-                  <a:schemeClr val="tx1"/>
-                </a:solidFill>
-                <a:latin typeface="+mn-lt"/>
-                <a:ea typeface="+mn-ea"/>
-                <a:cs typeface="+mn-cs"/>
-              </a:defRPr>
-            </a:lvl7pPr>
-            <a:lvl8pPr marL="3200400" algn="l" defTabSz="914400" rtl="0" eaLnBrk="1" latinLnBrk="0" hangingPunct="1">
-              <a:defRPr sz="1800" kern="1200">
-                <a:solidFill>
-                  <a:schemeClr val="tx1"/>
-                </a:solidFill>
-                <a:latin typeface="+mn-lt"/>
-                <a:ea typeface="+mn-ea"/>
-                <a:cs typeface="+mn-cs"/>
-              </a:defRPr>
-            </a:lvl8pPr>
-            <a:lvl9pPr marL="3657600" algn="l" defTabSz="914400" rtl="0" eaLnBrk="1" latinLnBrk="0" hangingPunct="1">
-              <a:defRPr sz="1800" kern="1200">
-                <a:solidFill>
-                  <a:schemeClr val="tx1"/>
-                </a:solidFill>
-                <a:latin typeface="+mn-lt"/>
-                <a:ea typeface="+mn-ea"/>
-                <a:cs typeface="+mn-cs"/>
-              </a:defRPr>
-            </a:lvl9pPr>
-          </a:lstStyle>
-          <a:p>
-            <a:pPr>
-              <a:defRPr/>
-            </a:pPr>
-            <a:fld id="{85BC5B7D-D6B0-4550-9BAF-D21F2647AC79}" type="slidenum">
-              <a:rPr lang="en-US" altLang="en-US" smtClean="0"/>
-              <a:pPr>
-                <a:defRPr/>
-              </a:pPr>
-              <a:t>8</a:t>
-            </a:fld>
-            <a:endParaRPr lang="en-US" altLang="en-US" dirty="0"/>
-          </a:p>
-        </p:txBody>
-      </p:sp>
-    </p:spTree>
-    <p:extLst>
-      <p:ext uri="{BB962C8B-B14F-4D97-AF65-F5344CB8AC3E}">
-        <p14:creationId xmlns:p14="http://schemas.microsoft.com/office/powerpoint/2010/main" val="249546435"/>
-      </p:ext>
-    </p:extLst>
-  </p:cSld>
-  <p:clrMapOvr>
-    <a:masterClrMapping/>
-  </p:clrMapOvr>
-</p:sld>
-</file>
-
-<file path=ppt/slides/slide9.xml><?xml version="1.0" encoding="utf-8"?>
 <p:sld xmlns:a="http://schemas.openxmlformats.org/drawingml/2006/main" xmlns:r="http://schemas.openxmlformats.org/officeDocument/2006/relationships" xmlns:p="http://schemas.openxmlformats.org/presentationml/2006/main">
   <p:cSld>
     <p:spTree>
@@ -4723,7 +3694,7 @@
             <a:pPr algn="ctr"/>
             <a:r>
               <a:rPr lang="en-US" dirty="0"/>
-              <a:t>End Question 3</a:t>
+              <a:t>End Question 2</a:t>
             </a:r>
             <a:br>
               <a:rPr lang="en-US" dirty="0"/>
@@ -4863,7 +3834,7 @@
               <a:pPr>
                 <a:defRPr/>
               </a:pPr>
-              <a:t>9</a:t>
+              <a:t>8</a:t>
             </a:fld>
             <a:endParaRPr lang="en-US" altLang="en-US" dirty="0"/>
           </a:p>
@@ -4872,7 +3843,136 @@
     </p:spTree>
     <p:extLst>
       <p:ext uri="{BB962C8B-B14F-4D97-AF65-F5344CB8AC3E}">
-        <p14:creationId xmlns:p14="http://schemas.microsoft.com/office/powerpoint/2010/main" val="1103469972"/>
+        <p14:creationId xmlns:p14="http://schemas.microsoft.com/office/powerpoint/2010/main" val="2411195427"/>
+      </p:ext>
+    </p:extLst>
+  </p:cSld>
+  <p:clrMapOvr>
+    <a:masterClrMapping/>
+  </p:clrMapOvr>
+</p:sld>
+</file>
+
+<file path=ppt/slides/slide9.xml><?xml version="1.0" encoding="utf-8"?>
+<p:sld xmlns:a="http://schemas.openxmlformats.org/drawingml/2006/main" xmlns:r="http://schemas.openxmlformats.org/officeDocument/2006/relationships" xmlns:p="http://schemas.openxmlformats.org/presentationml/2006/main">
+  <p:cSld>
+    <p:spTree>
+      <p:nvGrpSpPr>
+        <p:cNvPr id="1" name=""/>
+        <p:cNvGrpSpPr/>
+        <p:nvPr/>
+      </p:nvGrpSpPr>
+      <p:grpSpPr>
+        <a:xfrm>
+          <a:off x="0" y="0"/>
+          <a:ext cx="0" cy="0"/>
+          <a:chOff x="0" y="0"/>
+          <a:chExt cx="0" cy="0"/>
+        </a:xfrm>
+      </p:grpSpPr>
+      <p:sp>
+        <p:nvSpPr>
+          <p:cNvPr id="2" name="Title 1">
+            <a:extLst>
+              <a:ext uri="{FF2B5EF4-FFF2-40B4-BE49-F238E27FC236}">
+                <a16:creationId xmlns:a16="http://schemas.microsoft.com/office/drawing/2014/main" id="{78576CAF-641E-A545-AB1E-A0BE7A1FF036}"/>
+              </a:ext>
+            </a:extLst>
+          </p:cNvPr>
+          <p:cNvSpPr>
+            <a:spLocks noGrp="1"/>
+          </p:cNvSpPr>
+          <p:nvPr>
+            <p:ph type="title"/>
+          </p:nvPr>
+        </p:nvSpPr>
+        <p:spPr/>
+        <p:txBody>
+          <a:bodyPr/>
+          <a:lstStyle/>
+          <a:p>
+            <a:pPr algn="l"/>
+            <a:r>
+              <a:rPr lang="en-US" dirty="0"/>
+              <a:t>Question 3: Takeaways!</a:t>
+            </a:r>
+          </a:p>
+        </p:txBody>
+      </p:sp>
+      <p:sp>
+        <p:nvSpPr>
+          <p:cNvPr id="3" name="Content Placeholder 2">
+            <a:extLst>
+              <a:ext uri="{FF2B5EF4-FFF2-40B4-BE49-F238E27FC236}">
+                <a16:creationId xmlns:a16="http://schemas.microsoft.com/office/drawing/2014/main" id="{1E3CA146-5F00-F544-97FC-4BDA5AA35C64}"/>
+              </a:ext>
+            </a:extLst>
+          </p:cNvPr>
+          <p:cNvSpPr>
+            <a:spLocks noGrp="1"/>
+          </p:cNvSpPr>
+          <p:nvPr>
+            <p:ph idx="1"/>
+          </p:nvPr>
+        </p:nvSpPr>
+        <p:spPr>
+          <a:xfrm>
+            <a:off x="533400" y="1825625"/>
+            <a:ext cx="9657945" cy="4351338"/>
+          </a:xfrm>
+        </p:spPr>
+        <p:txBody>
+          <a:bodyPr>
+            <a:normAutofit fontScale="92500" lnSpcReduction="10000"/>
+          </a:bodyPr>
+          <a:lstStyle/>
+          <a:p>
+            <a:pPr marL="0" indent="0">
+              <a:buNone/>
+            </a:pPr>
+            <a:r>
+              <a:rPr lang="en-US" dirty="0"/>
+              <a:t>Please provide at least 4 takeaways from this section and any questions that you may have.  These questions will help design the live session for this unit.</a:t>
+            </a:r>
+          </a:p>
+          <a:p>
+            <a:pPr marL="0" indent="0">
+              <a:buNone/>
+            </a:pPr>
+            <a:r>
+              <a:rPr lang="en-US" dirty="0"/>
+              <a:t> </a:t>
+            </a:r>
+          </a:p>
+          <a:p>
+            <a:pPr marL="0" indent="0">
+              <a:buNone/>
+            </a:pPr>
+            <a:r>
+              <a:rPr lang="en-US" sz="2000" i="1" dirty="0"/>
+              <a:t>This question will be the last question of every For Live Session Assignment. The idea is that this deck will serve as a document that you can reference in the future to remember what was covered in this section.  For instance, this may come in handy for the Capstone and will hopefully become useful in your career.  Most immediately, it may become handy as a quick reference for your Midterm and Final!  Some students find it very useful and spend a few slides summarizing the </a:t>
+            </a:r>
+            <a:r>
+              <a:rPr lang="en-US" sz="2000" i="1" dirty="0" err="1"/>
+              <a:t>asynch</a:t>
+            </a:r>
+            <a:r>
+              <a:rPr lang="en-US" sz="2000" i="1" dirty="0"/>
+              <a:t> material while others learn different ways and only had the minimum 4 takeaways.  Either is fine and will earn you full credit for this question.  </a:t>
+            </a:r>
+          </a:p>
+          <a:p>
+            <a:pPr marL="0" indent="0">
+              <a:buNone/>
+            </a:pPr>
+            <a:endParaRPr lang="en-US" dirty="0"/>
+          </a:p>
+        </p:txBody>
+      </p:sp>
+    </p:spTree>
+    <p:extLst>
+      <p:ext uri="{BB962C8B-B14F-4D97-AF65-F5344CB8AC3E}">
+        <p14:creationId xmlns:p14="http://schemas.microsoft.com/office/powerpoint/2010/main" val="2751418390"/>
       </p:ext>
     </p:extLst>
   </p:cSld>
